--- a/Final Project/Testing/5조_인공지능과보안기술_testing.pptx
+++ b/Final Project/Testing/5조_인공지능과보안기술_testing.pptx
@@ -265,7 +265,7 @@
           <a:p>
             <a:fld id="{87804F00-A273-4791-9FF5-66E2CC8D0E9C}" type="datetimeFigureOut">
               <a:rPr lang="ko-KR" altLang="en-US" smtClean="0"/>
-              <a:t>2019-12-16</a:t>
+              <a:t>2019-11-27</a:t>
             </a:fld>
             <a:endParaRPr lang="ko-KR" altLang="en-US"/>
           </a:p>
@@ -463,7 +463,7 @@
           <a:p>
             <a:fld id="{87804F00-A273-4791-9FF5-66E2CC8D0E9C}" type="datetimeFigureOut">
               <a:rPr lang="ko-KR" altLang="en-US" smtClean="0"/>
-              <a:t>2019-12-16</a:t>
+              <a:t>2019-11-27</a:t>
             </a:fld>
             <a:endParaRPr lang="ko-KR" altLang="en-US"/>
           </a:p>
@@ -671,7 +671,7 @@
           <a:p>
             <a:fld id="{87804F00-A273-4791-9FF5-66E2CC8D0E9C}" type="datetimeFigureOut">
               <a:rPr lang="ko-KR" altLang="en-US" smtClean="0"/>
-              <a:t>2019-12-16</a:t>
+              <a:t>2019-11-27</a:t>
             </a:fld>
             <a:endParaRPr lang="ko-KR" altLang="en-US"/>
           </a:p>
@@ -869,7 +869,7 @@
           <a:p>
             <a:fld id="{87804F00-A273-4791-9FF5-66E2CC8D0E9C}" type="datetimeFigureOut">
               <a:rPr lang="ko-KR" altLang="en-US" smtClean="0"/>
-              <a:t>2019-12-16</a:t>
+              <a:t>2019-11-27</a:t>
             </a:fld>
             <a:endParaRPr lang="ko-KR" altLang="en-US"/>
           </a:p>
@@ -1144,7 +1144,7 @@
           <a:p>
             <a:fld id="{87804F00-A273-4791-9FF5-66E2CC8D0E9C}" type="datetimeFigureOut">
               <a:rPr lang="ko-KR" altLang="en-US" smtClean="0"/>
-              <a:t>2019-12-16</a:t>
+              <a:t>2019-11-27</a:t>
             </a:fld>
             <a:endParaRPr lang="ko-KR" altLang="en-US"/>
           </a:p>
@@ -1409,7 +1409,7 @@
           <a:p>
             <a:fld id="{87804F00-A273-4791-9FF5-66E2CC8D0E9C}" type="datetimeFigureOut">
               <a:rPr lang="ko-KR" altLang="en-US" smtClean="0"/>
-              <a:t>2019-12-16</a:t>
+              <a:t>2019-11-27</a:t>
             </a:fld>
             <a:endParaRPr lang="ko-KR" altLang="en-US"/>
           </a:p>
@@ -1821,7 +1821,7 @@
           <a:p>
             <a:fld id="{87804F00-A273-4791-9FF5-66E2CC8D0E9C}" type="datetimeFigureOut">
               <a:rPr lang="ko-KR" altLang="en-US" smtClean="0"/>
-              <a:t>2019-12-16</a:t>
+              <a:t>2019-11-27</a:t>
             </a:fld>
             <a:endParaRPr lang="ko-KR" altLang="en-US"/>
           </a:p>
@@ -1962,7 +1962,7 @@
           <a:p>
             <a:fld id="{87804F00-A273-4791-9FF5-66E2CC8D0E9C}" type="datetimeFigureOut">
               <a:rPr lang="ko-KR" altLang="en-US" smtClean="0"/>
-              <a:t>2019-12-16</a:t>
+              <a:t>2019-11-27</a:t>
             </a:fld>
             <a:endParaRPr lang="ko-KR" altLang="en-US"/>
           </a:p>
@@ -2075,7 +2075,7 @@
           <a:p>
             <a:fld id="{87804F00-A273-4791-9FF5-66E2CC8D0E9C}" type="datetimeFigureOut">
               <a:rPr lang="ko-KR" altLang="en-US" smtClean="0"/>
-              <a:t>2019-12-16</a:t>
+              <a:t>2019-11-27</a:t>
             </a:fld>
             <a:endParaRPr lang="ko-KR" altLang="en-US"/>
           </a:p>
@@ -2386,7 +2386,7 @@
           <a:p>
             <a:fld id="{87804F00-A273-4791-9FF5-66E2CC8D0E9C}" type="datetimeFigureOut">
               <a:rPr lang="ko-KR" altLang="en-US" smtClean="0"/>
-              <a:t>2019-12-16</a:t>
+              <a:t>2019-11-27</a:t>
             </a:fld>
             <a:endParaRPr lang="ko-KR" altLang="en-US"/>
           </a:p>
@@ -2674,7 +2674,7 @@
           <a:p>
             <a:fld id="{87804F00-A273-4791-9FF5-66E2CC8D0E9C}" type="datetimeFigureOut">
               <a:rPr lang="ko-KR" altLang="en-US" smtClean="0"/>
-              <a:t>2019-12-16</a:t>
+              <a:t>2019-11-27</a:t>
             </a:fld>
             <a:endParaRPr lang="ko-KR" altLang="en-US"/>
           </a:p>
@@ -2915,7 +2915,7 @@
           <a:p>
             <a:fld id="{87804F00-A273-4791-9FF5-66E2CC8D0E9C}" type="datetimeFigureOut">
               <a:rPr lang="ko-KR" altLang="en-US" smtClean="0"/>
-              <a:t>2019-12-16</a:t>
+              <a:t>2019-11-27</a:t>
             </a:fld>
             <a:endParaRPr lang="ko-KR" altLang="en-US"/>
           </a:p>
